--- a/Documents/pieuvre.pptx
+++ b/Documents/pieuvre.pptx
@@ -5,8 +5,10 @@
     <p:sldMasterId id="2147483648" r:id="rId1"/>
   </p:sldMasterIdLst>
   <p:sldIdLst>
-    <p:sldId id="256" r:id="rId2"/>
-    <p:sldId id="257" r:id="rId3"/>
+    <p:sldId id="258" r:id="rId2"/>
+    <p:sldId id="256" r:id="rId3"/>
+    <p:sldId id="257" r:id="rId4"/>
+    <p:sldId id="259" r:id="rId5"/>
   </p:sldIdLst>
   <p:sldSz cx="12192000" cy="6858000"/>
   <p:notesSz cx="6858000" cy="9144000"/>
@@ -105,6 +107,11 @@
       </a:defRPr>
     </a:lvl9pPr>
   </p:defaultTextStyle>
+  <p:extLst>
+    <p:ext uri="{EFAFB233-063F-42B5-8137-9DF3F51BA10A}">
+      <p15:sldGuideLst xmlns:p15="http://schemas.microsoft.com/office/powerpoint/2012/main"/>
+    </p:ext>
+  </p:extLst>
 </p:presentation>
 </file>
 
@@ -255,7 +262,7 @@
           <a:p>
             <a:fld id="{820EE28C-4A2B-44A8-82A5-6E0A9F8267A9}" type="datetimeFigureOut">
               <a:rPr lang="fr-FR" smtClean="0"/>
-              <a:t>16/03/2021</a:t>
+              <a:t>27/03/2021</a:t>
             </a:fld>
             <a:endParaRPr lang="fr-FR"/>
           </a:p>
@@ -453,7 +460,7 @@
           <a:p>
             <a:fld id="{820EE28C-4A2B-44A8-82A5-6E0A9F8267A9}" type="datetimeFigureOut">
               <a:rPr lang="fr-FR" smtClean="0"/>
-              <a:t>16/03/2021</a:t>
+              <a:t>27/03/2021</a:t>
             </a:fld>
             <a:endParaRPr lang="fr-FR"/>
           </a:p>
@@ -661,7 +668,7 @@
           <a:p>
             <a:fld id="{820EE28C-4A2B-44A8-82A5-6E0A9F8267A9}" type="datetimeFigureOut">
               <a:rPr lang="fr-FR" smtClean="0"/>
-              <a:t>16/03/2021</a:t>
+              <a:t>27/03/2021</a:t>
             </a:fld>
             <a:endParaRPr lang="fr-FR"/>
           </a:p>
@@ -859,7 +866,7 @@
           <a:p>
             <a:fld id="{820EE28C-4A2B-44A8-82A5-6E0A9F8267A9}" type="datetimeFigureOut">
               <a:rPr lang="fr-FR" smtClean="0"/>
-              <a:t>16/03/2021</a:t>
+              <a:t>27/03/2021</a:t>
             </a:fld>
             <a:endParaRPr lang="fr-FR"/>
           </a:p>
@@ -1134,7 +1141,7 @@
           <a:p>
             <a:fld id="{820EE28C-4A2B-44A8-82A5-6E0A9F8267A9}" type="datetimeFigureOut">
               <a:rPr lang="fr-FR" smtClean="0"/>
-              <a:t>16/03/2021</a:t>
+              <a:t>27/03/2021</a:t>
             </a:fld>
             <a:endParaRPr lang="fr-FR"/>
           </a:p>
@@ -1399,7 +1406,7 @@
           <a:p>
             <a:fld id="{820EE28C-4A2B-44A8-82A5-6E0A9F8267A9}" type="datetimeFigureOut">
               <a:rPr lang="fr-FR" smtClean="0"/>
-              <a:t>16/03/2021</a:t>
+              <a:t>27/03/2021</a:t>
             </a:fld>
             <a:endParaRPr lang="fr-FR"/>
           </a:p>
@@ -1811,7 +1818,7 @@
           <a:p>
             <a:fld id="{820EE28C-4A2B-44A8-82A5-6E0A9F8267A9}" type="datetimeFigureOut">
               <a:rPr lang="fr-FR" smtClean="0"/>
-              <a:t>16/03/2021</a:t>
+              <a:t>27/03/2021</a:t>
             </a:fld>
             <a:endParaRPr lang="fr-FR"/>
           </a:p>
@@ -1952,7 +1959,7 @@
           <a:p>
             <a:fld id="{820EE28C-4A2B-44A8-82A5-6E0A9F8267A9}" type="datetimeFigureOut">
               <a:rPr lang="fr-FR" smtClean="0"/>
-              <a:t>16/03/2021</a:t>
+              <a:t>27/03/2021</a:t>
             </a:fld>
             <a:endParaRPr lang="fr-FR"/>
           </a:p>
@@ -2065,7 +2072,7 @@
           <a:p>
             <a:fld id="{820EE28C-4A2B-44A8-82A5-6E0A9F8267A9}" type="datetimeFigureOut">
               <a:rPr lang="fr-FR" smtClean="0"/>
-              <a:t>16/03/2021</a:t>
+              <a:t>27/03/2021</a:t>
             </a:fld>
             <a:endParaRPr lang="fr-FR"/>
           </a:p>
@@ -2376,7 +2383,7 @@
           <a:p>
             <a:fld id="{820EE28C-4A2B-44A8-82A5-6E0A9F8267A9}" type="datetimeFigureOut">
               <a:rPr lang="fr-FR" smtClean="0"/>
-              <a:t>16/03/2021</a:t>
+              <a:t>27/03/2021</a:t>
             </a:fld>
             <a:endParaRPr lang="fr-FR"/>
           </a:p>
@@ -2664,7 +2671,7 @@
           <a:p>
             <a:fld id="{820EE28C-4A2B-44A8-82A5-6E0A9F8267A9}" type="datetimeFigureOut">
               <a:rPr lang="fr-FR" smtClean="0"/>
-              <a:t>16/03/2021</a:t>
+              <a:t>27/03/2021</a:t>
             </a:fld>
             <a:endParaRPr lang="fr-FR"/>
           </a:p>
@@ -2905,7 +2912,7 @@
           <a:p>
             <a:fld id="{820EE28C-4A2B-44A8-82A5-6E0A9F8267A9}" type="datetimeFigureOut">
               <a:rPr lang="fr-FR" smtClean="0"/>
-              <a:t>16/03/2021</a:t>
+              <a:t>27/03/2021</a:t>
             </a:fld>
             <a:endParaRPr lang="fr-FR"/>
           </a:p>
@@ -3327,6 +3334,378 @@
           <p:cNvPr id="4" name="Ellipse 3">
             <a:extLst>
               <a:ext uri="{FF2B5EF4-FFF2-40B4-BE49-F238E27FC236}">
+                <a16:creationId xmlns:a16="http://schemas.microsoft.com/office/drawing/2014/main" id="{D1133313-57D1-4BF6-9202-C549C34A1403}"/>
+              </a:ext>
+            </a:extLst>
+          </p:cNvPr>
+          <p:cNvSpPr/>
+          <p:nvPr/>
+        </p:nvSpPr>
+        <p:spPr>
+          <a:xfrm>
+            <a:off x="1873188" y="559292"/>
+            <a:ext cx="2689934" cy="1207364"/>
+          </a:xfrm>
+          <a:prstGeom prst="ellipse">
+            <a:avLst/>
+          </a:prstGeom>
+        </p:spPr>
+        <p:style>
+          <a:lnRef idx="2">
+            <a:schemeClr val="accent1">
+              <a:shade val="50000"/>
+            </a:schemeClr>
+          </a:lnRef>
+          <a:fillRef idx="1">
+            <a:schemeClr val="accent1"/>
+          </a:fillRef>
+          <a:effectRef idx="0">
+            <a:schemeClr val="accent1"/>
+          </a:effectRef>
+          <a:fontRef idx="minor">
+            <a:schemeClr val="lt1"/>
+          </a:fontRef>
+        </p:style>
+        <p:txBody>
+          <a:bodyPr rtlCol="0" anchor="ctr"/>
+          <a:lstStyle/>
+          <a:p>
+            <a:pPr algn="ctr"/>
+            <a:r>
+              <a:rPr lang="fr-MA" dirty="0"/>
+              <a:t>u</a:t>
+            </a:r>
+            <a:r>
+              <a:rPr lang="fr-FR" dirty="0" err="1"/>
+              <a:t>tilisateur</a:t>
+            </a:r>
+            <a:endParaRPr lang="fr-FR" dirty="0"/>
+          </a:p>
+        </p:txBody>
+      </p:sp>
+      <p:sp>
+        <p:nvSpPr>
+          <p:cNvPr id="5" name="Ellipse 4">
+            <a:extLst>
+              <a:ext uri="{FF2B5EF4-FFF2-40B4-BE49-F238E27FC236}">
+                <a16:creationId xmlns:a16="http://schemas.microsoft.com/office/drawing/2014/main" id="{6EC27A68-68DE-46AE-A0D9-5CB5386A79BD}"/>
+              </a:ext>
+            </a:extLst>
+          </p:cNvPr>
+          <p:cNvSpPr/>
+          <p:nvPr/>
+        </p:nvSpPr>
+        <p:spPr>
+          <a:xfrm>
+            <a:off x="6283913" y="559292"/>
+            <a:ext cx="2689934" cy="1207364"/>
+          </a:xfrm>
+          <a:prstGeom prst="ellipse">
+            <a:avLst/>
+          </a:prstGeom>
+        </p:spPr>
+        <p:style>
+          <a:lnRef idx="2">
+            <a:schemeClr val="accent1">
+              <a:shade val="50000"/>
+            </a:schemeClr>
+          </a:lnRef>
+          <a:fillRef idx="1">
+            <a:schemeClr val="accent1"/>
+          </a:fillRef>
+          <a:effectRef idx="0">
+            <a:schemeClr val="accent1"/>
+          </a:effectRef>
+          <a:fontRef idx="minor">
+            <a:schemeClr val="lt1"/>
+          </a:fontRef>
+        </p:style>
+        <p:txBody>
+          <a:bodyPr rtlCol="0" anchor="ctr"/>
+          <a:lstStyle/>
+          <a:p>
+            <a:pPr algn="ctr"/>
+            <a:r>
+              <a:rPr lang="fr-FR" dirty="0"/>
+              <a:t>aliment des animaux </a:t>
+            </a:r>
+          </a:p>
+        </p:txBody>
+      </p:sp>
+      <p:sp>
+        <p:nvSpPr>
+          <p:cNvPr id="6" name="Ellipse 5">
+            <a:extLst>
+              <a:ext uri="{FF2B5EF4-FFF2-40B4-BE49-F238E27FC236}">
+                <a16:creationId xmlns:a16="http://schemas.microsoft.com/office/drawing/2014/main" id="{FB661102-546E-4381-9E8C-84E868FF7427}"/>
+              </a:ext>
+            </a:extLst>
+          </p:cNvPr>
+          <p:cNvSpPr/>
+          <p:nvPr/>
+        </p:nvSpPr>
+        <p:spPr>
+          <a:xfrm>
+            <a:off x="4030462" y="1642368"/>
+            <a:ext cx="3071674" cy="2725445"/>
+          </a:xfrm>
+          <a:prstGeom prst="ellipse">
+            <a:avLst/>
+          </a:prstGeom>
+        </p:spPr>
+        <p:style>
+          <a:lnRef idx="2">
+            <a:schemeClr val="accent1">
+              <a:shade val="50000"/>
+            </a:schemeClr>
+          </a:lnRef>
+          <a:fillRef idx="1">
+            <a:schemeClr val="accent1"/>
+          </a:fillRef>
+          <a:effectRef idx="0">
+            <a:schemeClr val="accent1"/>
+          </a:effectRef>
+          <a:fontRef idx="minor">
+            <a:schemeClr val="lt1"/>
+          </a:fontRef>
+        </p:style>
+        <p:txBody>
+          <a:bodyPr rtlCol="0" anchor="ctr"/>
+          <a:lstStyle/>
+          <a:p>
+            <a:pPr algn="ctr"/>
+            <a:r>
+              <a:rPr lang="fr-MA" dirty="0"/>
+              <a:t>Machine a granule</a:t>
+            </a:r>
+            <a:endParaRPr lang="fr-FR" dirty="0"/>
+          </a:p>
+        </p:txBody>
+      </p:sp>
+      <p:sp>
+        <p:nvSpPr>
+          <p:cNvPr id="10" name="Arc 9">
+            <a:extLst>
+              <a:ext uri="{FF2B5EF4-FFF2-40B4-BE49-F238E27FC236}">
+                <a16:creationId xmlns:a16="http://schemas.microsoft.com/office/drawing/2014/main" id="{B5681953-054C-440E-8EC5-82C99EAB9764}"/>
+              </a:ext>
+            </a:extLst>
+          </p:cNvPr>
+          <p:cNvSpPr/>
+          <p:nvPr/>
+        </p:nvSpPr>
+        <p:spPr>
+          <a:xfrm rot="8425408">
+            <a:off x="4201092" y="-781366"/>
+            <a:ext cx="2996536" cy="2431903"/>
+          </a:xfrm>
+          <a:prstGeom prst="arc">
+            <a:avLst/>
+          </a:prstGeom>
+        </p:spPr>
+        <p:style>
+          <a:lnRef idx="1">
+            <a:schemeClr val="accent1"/>
+          </a:lnRef>
+          <a:fillRef idx="0">
+            <a:schemeClr val="accent1"/>
+          </a:fillRef>
+          <a:effectRef idx="0">
+            <a:schemeClr val="accent1"/>
+          </a:effectRef>
+          <a:fontRef idx="minor">
+            <a:schemeClr val="tx1"/>
+          </a:fontRef>
+        </p:style>
+        <p:txBody>
+          <a:bodyPr rtlCol="0" anchor="ctr"/>
+          <a:lstStyle/>
+          <a:p>
+            <a:pPr algn="ctr"/>
+            <a:endParaRPr lang="fr-FR"/>
+          </a:p>
+        </p:txBody>
+      </p:sp>
+      <p:sp>
+        <p:nvSpPr>
+          <p:cNvPr id="11" name="Forme libre : forme 10">
+            <a:extLst>
+              <a:ext uri="{FF2B5EF4-FFF2-40B4-BE49-F238E27FC236}">
+                <a16:creationId xmlns:a16="http://schemas.microsoft.com/office/drawing/2014/main" id="{2E11E6FA-12C9-4A73-AFC4-6E3E52B65717}"/>
+              </a:ext>
+            </a:extLst>
+          </p:cNvPr>
+          <p:cNvSpPr/>
+          <p:nvPr/>
+        </p:nvSpPr>
+        <p:spPr>
+          <a:xfrm>
+            <a:off x="5460571" y="1757778"/>
+            <a:ext cx="2284456" cy="3577701"/>
+          </a:xfrm>
+          <a:custGeom>
+            <a:avLst/>
+            <a:gdLst>
+              <a:gd name="connsiteX0" fmla="*/ 2236369 w 2284456"/>
+              <a:gd name="connsiteY0" fmla="*/ 0 h 3577701"/>
+              <a:gd name="connsiteX1" fmla="*/ 2032182 w 2284456"/>
+              <a:gd name="connsiteY1" fmla="*/ 2938509 h 3577701"/>
+              <a:gd name="connsiteX2" fmla="*/ 283281 w 2284456"/>
+              <a:gd name="connsiteY2" fmla="*/ 3027285 h 3577701"/>
+              <a:gd name="connsiteX3" fmla="*/ 79095 w 2284456"/>
+              <a:gd name="connsiteY3" fmla="*/ 3577701 h 3577701"/>
+            </a:gdLst>
+            <a:ahLst/>
+            <a:cxnLst>
+              <a:cxn ang="0">
+                <a:pos x="connsiteX0" y="connsiteY0"/>
+              </a:cxn>
+              <a:cxn ang="0">
+                <a:pos x="connsiteX1" y="connsiteY1"/>
+              </a:cxn>
+              <a:cxn ang="0">
+                <a:pos x="connsiteX2" y="connsiteY2"/>
+              </a:cxn>
+              <a:cxn ang="0">
+                <a:pos x="connsiteX3" y="connsiteY3"/>
+              </a:cxn>
+            </a:cxnLst>
+            <a:rect l="l" t="t" r="r" b="b"/>
+            <a:pathLst>
+              <a:path w="2284456" h="3577701">
+                <a:moveTo>
+                  <a:pt x="2236369" y="0"/>
+                </a:moveTo>
+                <a:cubicBezTo>
+                  <a:pt x="2297033" y="1216980"/>
+                  <a:pt x="2357697" y="2433961"/>
+                  <a:pt x="2032182" y="2938509"/>
+                </a:cubicBezTo>
+                <a:cubicBezTo>
+                  <a:pt x="1706667" y="3443057"/>
+                  <a:pt x="608795" y="2920753"/>
+                  <a:pt x="283281" y="3027285"/>
+                </a:cubicBezTo>
+                <a:cubicBezTo>
+                  <a:pt x="-42234" y="3133817"/>
+                  <a:pt x="-52590" y="3505200"/>
+                  <a:pt x="79095" y="3577701"/>
+                </a:cubicBezTo>
+              </a:path>
+            </a:pathLst>
+          </a:custGeom>
+          <a:noFill/>
+        </p:spPr>
+        <p:style>
+          <a:lnRef idx="2">
+            <a:schemeClr val="accent1">
+              <a:shade val="50000"/>
+            </a:schemeClr>
+          </a:lnRef>
+          <a:fillRef idx="1">
+            <a:schemeClr val="accent1"/>
+          </a:fillRef>
+          <a:effectRef idx="0">
+            <a:schemeClr val="accent1"/>
+          </a:effectRef>
+          <a:fontRef idx="minor">
+            <a:schemeClr val="lt1"/>
+          </a:fontRef>
+        </p:style>
+        <p:txBody>
+          <a:bodyPr rtlCol="0" anchor="ctr"/>
+          <a:lstStyle/>
+          <a:p>
+            <a:pPr algn="ctr"/>
+            <a:endParaRPr lang="fr-FR"/>
+          </a:p>
+        </p:txBody>
+      </p:sp>
+      <p:sp>
+        <p:nvSpPr>
+          <p:cNvPr id="12" name="Rectangle 11">
+            <a:extLst>
+              <a:ext uri="{FF2B5EF4-FFF2-40B4-BE49-F238E27FC236}">
+                <a16:creationId xmlns:a16="http://schemas.microsoft.com/office/drawing/2014/main" id="{C2C4390D-4C7D-40A4-BF4C-D211890C220B}"/>
+              </a:ext>
+            </a:extLst>
+          </p:cNvPr>
+          <p:cNvSpPr/>
+          <p:nvPr/>
+        </p:nvSpPr>
+        <p:spPr>
+          <a:xfrm>
+            <a:off x="2902998" y="5335479"/>
+            <a:ext cx="5779363" cy="1207364"/>
+          </a:xfrm>
+          <a:prstGeom prst="rect">
+            <a:avLst/>
+          </a:prstGeom>
+        </p:spPr>
+        <p:style>
+          <a:lnRef idx="2">
+            <a:schemeClr val="accent1">
+              <a:shade val="50000"/>
+            </a:schemeClr>
+          </a:lnRef>
+          <a:fillRef idx="1">
+            <a:schemeClr val="accent1"/>
+          </a:fillRef>
+          <a:effectRef idx="0">
+            <a:schemeClr val="accent1"/>
+          </a:effectRef>
+          <a:fontRef idx="minor">
+            <a:schemeClr val="lt1"/>
+          </a:fontRef>
+        </p:style>
+        <p:txBody>
+          <a:bodyPr rtlCol="0" anchor="ctr"/>
+          <a:lstStyle/>
+          <a:p>
+            <a:pPr algn="ctr"/>
+            <a:r>
+              <a:rPr lang="fr-MA" dirty="0"/>
+              <a:t>Transformer les aliment des animaux sous forme des granulat </a:t>
+            </a:r>
+            <a:endParaRPr lang="fr-FR" dirty="0"/>
+          </a:p>
+        </p:txBody>
+      </p:sp>
+    </p:spTree>
+    <p:extLst>
+      <p:ext uri="{BB962C8B-B14F-4D97-AF65-F5344CB8AC3E}">
+        <p14:creationId xmlns:p14="http://schemas.microsoft.com/office/powerpoint/2010/main" val="573726643"/>
+      </p:ext>
+    </p:extLst>
+  </p:cSld>
+  <p:clrMapOvr>
+    <a:masterClrMapping/>
+  </p:clrMapOvr>
+</p:sld>
+</file>
+
+<file path=ppt/slides/slide2.xml><?xml version="1.0" encoding="utf-8"?>
+<p:sld xmlns:a="http://schemas.openxmlformats.org/drawingml/2006/main" xmlns:r="http://schemas.openxmlformats.org/officeDocument/2006/relationships" xmlns:p="http://schemas.openxmlformats.org/presentationml/2006/main">
+  <p:cSld>
+    <p:spTree>
+      <p:nvGrpSpPr>
+        <p:cNvPr id="1" name=""/>
+        <p:cNvGrpSpPr/>
+        <p:nvPr/>
+      </p:nvGrpSpPr>
+      <p:grpSpPr>
+        <a:xfrm>
+          <a:off x="0" y="0"/>
+          <a:ext cx="0" cy="0"/>
+          <a:chOff x="0" y="0"/>
+          <a:chExt cx="0" cy="0"/>
+        </a:xfrm>
+      </p:grpSpPr>
+      <p:sp>
+        <p:nvSpPr>
+          <p:cNvPr id="4" name="Ellipse 3">
+            <a:extLst>
+              <a:ext uri="{FF2B5EF4-FFF2-40B4-BE49-F238E27FC236}">
                 <a16:creationId xmlns:a16="http://schemas.microsoft.com/office/drawing/2014/main" id="{43C0EEEE-1A3E-479F-BEEE-097F17439414}"/>
               </a:ext>
             </a:extLst>
@@ -4482,7 +4861,7 @@
 </p:sld>
 </file>
 
-<file path=ppt/slides/slide2.xml><?xml version="1.0" encoding="utf-8"?>
+<file path=ppt/slides/slide3.xml><?xml version="1.0" encoding="utf-8"?>
 <p:sld xmlns:a="http://schemas.openxmlformats.org/drawingml/2006/main" xmlns:r="http://schemas.openxmlformats.org/officeDocument/2006/relationships" xmlns:p="http://schemas.openxmlformats.org/presentationml/2006/main">
   <p:cSld>
     <p:spTree>
@@ -4499,10 +4878,1290 @@
           <a:chExt cx="0" cy="0"/>
         </a:xfrm>
       </p:grpSpPr>
+      <p:graphicFrame>
+        <p:nvGraphicFramePr>
+          <p:cNvPr id="3" name="Tableau 2">
+            <a:extLst>
+              <a:ext uri="{FF2B5EF4-FFF2-40B4-BE49-F238E27FC236}">
+                <a16:creationId xmlns:a16="http://schemas.microsoft.com/office/drawing/2014/main" id="{6A9B1E57-3ACB-4C73-9660-0372556BFE16}"/>
+              </a:ext>
+            </a:extLst>
+          </p:cNvPr>
+          <p:cNvGraphicFramePr/>
+          <p:nvPr>
+            <p:extLst>
+              <p:ext uri="{D42A27DB-BD31-4B8C-83A1-F6EECF244321}">
+                <p14:modId xmlns:p14="http://schemas.microsoft.com/office/powerpoint/2010/main" val="2204226370"/>
+              </p:ext>
+            </p:extLst>
+          </p:nvPr>
+        </p:nvGraphicFramePr>
+        <p:xfrm>
+          <a:off x="2472308" y="1759488"/>
+          <a:ext cx="7247384" cy="3339024"/>
+        </p:xfrm>
+        <a:graphic>
+          <a:graphicData uri="http://schemas.openxmlformats.org/drawingml/2006/table">
+            <a:tbl>
+              <a:tblPr>
+                <a:tableStyleId>{5C22544A-7EE6-4342-B048-85BDC9FD1C3A}</a:tableStyleId>
+              </a:tblPr>
+              <a:tblGrid>
+                <a:gridCol w="1090626">
+                  <a:extLst>
+                    <a:ext uri="{9D8B030D-6E8A-4147-A177-3AD203B41FA5}">
+                      <a16:colId xmlns:a16="http://schemas.microsoft.com/office/drawing/2014/main" val="3598364543"/>
+                    </a:ext>
+                  </a:extLst>
+                </a:gridCol>
+                <a:gridCol w="6156758">
+                  <a:extLst>
+                    <a:ext uri="{9D8B030D-6E8A-4147-A177-3AD203B41FA5}">
+                      <a16:colId xmlns:a16="http://schemas.microsoft.com/office/drawing/2014/main" val="1185213569"/>
+                    </a:ext>
+                  </a:extLst>
+                </a:gridCol>
+              </a:tblGrid>
+              <a:tr h="417378">
+                <a:tc>
+                  <a:txBody>
+                    <a:bodyPr/>
+                    <a:lstStyle/>
+                    <a:p>
+                      <a:pPr algn="ctr" fontAlgn="b">
+                        <a:spcBef>
+                          <a:spcPts val="0"/>
+                        </a:spcBef>
+                        <a:spcAft>
+                          <a:spcPts val="0"/>
+                        </a:spcAft>
+                      </a:pPr>
+                      <a:r>
+                        <a:rPr lang="fr-FR" sz="1400" u="none" strike="noStrike" dirty="0">
+                          <a:effectLst/>
+                        </a:rPr>
+                        <a:t>FP1</a:t>
+                      </a:r>
+                      <a:endParaRPr lang="fr-FR" sz="2400" b="0" i="0" u="none" strike="noStrike" dirty="0">
+                        <a:effectLst/>
+                        <a:latin typeface="Arial" panose="020B0604020202020204" pitchFamily="34" charset="0"/>
+                      </a:endParaRPr>
+                    </a:p>
+                  </a:txBody>
+                  <a:tcPr marL="7620" marR="7620" marT="7620" marB="0" anchor="ctr"/>
+                </a:tc>
+                <a:tc>
+                  <a:txBody>
+                    <a:bodyPr/>
+                    <a:lstStyle/>
+                    <a:p>
+                      <a:pPr algn="ctr" fontAlgn="b">
+                        <a:spcBef>
+                          <a:spcPts val="0"/>
+                        </a:spcBef>
+                        <a:spcAft>
+                          <a:spcPts val="0"/>
+                        </a:spcAft>
+                      </a:pPr>
+                      <a:r>
+                        <a:rPr lang="fr-FR" sz="1400" u="none" strike="noStrike" dirty="0">
+                          <a:effectLst/>
+                        </a:rPr>
+                        <a:t>Permettre l'utilisateur de transformer la matière à des granulés</a:t>
+                      </a:r>
+                      <a:endParaRPr lang="fr-FR" sz="2400" b="0" i="0" u="none" strike="noStrike" dirty="0">
+                        <a:effectLst/>
+                        <a:latin typeface="Arial" panose="020B0604020202020204" pitchFamily="34" charset="0"/>
+                      </a:endParaRPr>
+                    </a:p>
+                  </a:txBody>
+                  <a:tcPr marL="7620" marR="7620" marT="7620" marB="0" anchor="ctr"/>
+                </a:tc>
+                <a:extLst>
+                  <a:ext uri="{0D108BD9-81ED-4DB2-BD59-A6C34878D82A}">
+                    <a16:rowId xmlns:a16="http://schemas.microsoft.com/office/drawing/2014/main" val="210048729"/>
+                  </a:ext>
+                </a:extLst>
+              </a:tr>
+              <a:tr h="417378">
+                <a:tc>
+                  <a:txBody>
+                    <a:bodyPr/>
+                    <a:lstStyle/>
+                    <a:p>
+                      <a:pPr algn="ctr" fontAlgn="b">
+                        <a:spcBef>
+                          <a:spcPts val="0"/>
+                        </a:spcBef>
+                        <a:spcAft>
+                          <a:spcPts val="0"/>
+                        </a:spcAft>
+                      </a:pPr>
+                      <a:r>
+                        <a:rPr lang="fr-FR" sz="1400" u="none" strike="noStrike" dirty="0">
+                          <a:effectLst/>
+                        </a:rPr>
+                        <a:t>FC1</a:t>
+                      </a:r>
+                      <a:endParaRPr lang="fr-FR" sz="2400" b="0" i="0" u="none" strike="noStrike" dirty="0">
+                        <a:effectLst/>
+                        <a:latin typeface="Arial" panose="020B0604020202020204" pitchFamily="34" charset="0"/>
+                      </a:endParaRPr>
+                    </a:p>
+                  </a:txBody>
+                  <a:tcPr marL="7620" marR="7620" marT="7620" marB="0" anchor="ctr"/>
+                </a:tc>
+                <a:tc>
+                  <a:txBody>
+                    <a:bodyPr/>
+                    <a:lstStyle/>
+                    <a:p>
+                      <a:pPr algn="ctr" fontAlgn="b">
+                        <a:spcBef>
+                          <a:spcPts val="0"/>
+                        </a:spcBef>
+                        <a:spcAft>
+                          <a:spcPts val="0"/>
+                        </a:spcAft>
+                      </a:pPr>
+                      <a:r>
+                        <a:rPr lang="fr-FR" sz="1400" u="none" strike="noStrike" dirty="0">
+                          <a:effectLst/>
+                        </a:rPr>
+                        <a:t>être résistant a son environnement </a:t>
+                      </a:r>
+                      <a:endParaRPr lang="fr-FR" sz="2400" b="0" i="0" u="none" strike="noStrike" dirty="0">
+                        <a:effectLst/>
+                        <a:latin typeface="Arial" panose="020B0604020202020204" pitchFamily="34" charset="0"/>
+                      </a:endParaRPr>
+                    </a:p>
+                  </a:txBody>
+                  <a:tcPr marL="7620" marR="7620" marT="7620" marB="0" anchor="ctr"/>
+                </a:tc>
+                <a:extLst>
+                  <a:ext uri="{0D108BD9-81ED-4DB2-BD59-A6C34878D82A}">
+                    <a16:rowId xmlns:a16="http://schemas.microsoft.com/office/drawing/2014/main" val="1380274897"/>
+                  </a:ext>
+                </a:extLst>
+              </a:tr>
+              <a:tr h="417378">
+                <a:tc>
+                  <a:txBody>
+                    <a:bodyPr/>
+                    <a:lstStyle/>
+                    <a:p>
+                      <a:pPr algn="ctr" fontAlgn="b">
+                        <a:spcBef>
+                          <a:spcPts val="0"/>
+                        </a:spcBef>
+                        <a:spcAft>
+                          <a:spcPts val="0"/>
+                        </a:spcAft>
+                      </a:pPr>
+                      <a:r>
+                        <a:rPr lang="fr-FR" sz="1400" u="none" strike="noStrike">
+                          <a:effectLst/>
+                        </a:rPr>
+                        <a:t>FC2</a:t>
+                      </a:r>
+                      <a:endParaRPr lang="fr-FR" sz="2400" b="0" i="0" u="none" strike="noStrike">
+                        <a:effectLst/>
+                        <a:latin typeface="Arial" panose="020B0604020202020204" pitchFamily="34" charset="0"/>
+                      </a:endParaRPr>
+                    </a:p>
+                  </a:txBody>
+                  <a:tcPr marL="7620" marR="7620" marT="7620" marB="0" anchor="ctr"/>
+                </a:tc>
+                <a:tc>
+                  <a:txBody>
+                    <a:bodyPr/>
+                    <a:lstStyle/>
+                    <a:p>
+                      <a:pPr algn="ctr" fontAlgn="b">
+                        <a:spcBef>
+                          <a:spcPts val="0"/>
+                        </a:spcBef>
+                        <a:spcAft>
+                          <a:spcPts val="0"/>
+                        </a:spcAft>
+                      </a:pPr>
+                      <a:r>
+                        <a:rPr lang="fr-FR" sz="1400" u="none" strike="noStrike" dirty="0">
+                          <a:effectLst/>
+                        </a:rPr>
+                        <a:t>avoir une bonne apparence </a:t>
+                      </a:r>
+                      <a:endParaRPr lang="fr-FR" sz="2400" b="0" i="0" u="none" strike="noStrike" dirty="0">
+                        <a:effectLst/>
+                        <a:latin typeface="Arial" panose="020B0604020202020204" pitchFamily="34" charset="0"/>
+                      </a:endParaRPr>
+                    </a:p>
+                  </a:txBody>
+                  <a:tcPr marL="7620" marR="7620" marT="7620" marB="0" anchor="ctr"/>
+                </a:tc>
+                <a:extLst>
+                  <a:ext uri="{0D108BD9-81ED-4DB2-BD59-A6C34878D82A}">
+                    <a16:rowId xmlns:a16="http://schemas.microsoft.com/office/drawing/2014/main" val="3345727734"/>
+                  </a:ext>
+                </a:extLst>
+              </a:tr>
+              <a:tr h="417378">
+                <a:tc>
+                  <a:txBody>
+                    <a:bodyPr/>
+                    <a:lstStyle/>
+                    <a:p>
+                      <a:pPr algn="ctr" fontAlgn="b">
+                        <a:spcBef>
+                          <a:spcPts val="0"/>
+                        </a:spcBef>
+                        <a:spcAft>
+                          <a:spcPts val="0"/>
+                        </a:spcAft>
+                      </a:pPr>
+                      <a:r>
+                        <a:rPr lang="fr-FR" sz="1400" u="none" strike="noStrike">
+                          <a:effectLst/>
+                        </a:rPr>
+                        <a:t>FC3</a:t>
+                      </a:r>
+                      <a:endParaRPr lang="fr-FR" sz="2400" b="0" i="0" u="none" strike="noStrike">
+                        <a:effectLst/>
+                        <a:latin typeface="Arial" panose="020B0604020202020204" pitchFamily="34" charset="0"/>
+                      </a:endParaRPr>
+                    </a:p>
+                  </a:txBody>
+                  <a:tcPr marL="7620" marR="7620" marT="7620" marB="0" anchor="ctr"/>
+                </a:tc>
+                <a:tc>
+                  <a:txBody>
+                    <a:bodyPr/>
+                    <a:lstStyle/>
+                    <a:p>
+                      <a:pPr algn="ctr" fontAlgn="b">
+                        <a:spcBef>
+                          <a:spcPts val="0"/>
+                        </a:spcBef>
+                        <a:spcAft>
+                          <a:spcPts val="0"/>
+                        </a:spcAft>
+                      </a:pPr>
+                      <a:r>
+                        <a:rPr lang="fr-FR" sz="1400" u="none" strike="noStrike" dirty="0">
+                          <a:effectLst/>
+                        </a:rPr>
+                        <a:t>sécurité</a:t>
+                      </a:r>
+                      <a:endParaRPr lang="fr-FR" sz="2400" b="0" i="0" u="none" strike="noStrike" dirty="0">
+                        <a:effectLst/>
+                        <a:latin typeface="Arial" panose="020B0604020202020204" pitchFamily="34" charset="0"/>
+                      </a:endParaRPr>
+                    </a:p>
+                  </a:txBody>
+                  <a:tcPr marL="7620" marR="7620" marT="7620" marB="0" anchor="ctr"/>
+                </a:tc>
+                <a:extLst>
+                  <a:ext uri="{0D108BD9-81ED-4DB2-BD59-A6C34878D82A}">
+                    <a16:rowId xmlns:a16="http://schemas.microsoft.com/office/drawing/2014/main" val="2707845039"/>
+                  </a:ext>
+                </a:extLst>
+              </a:tr>
+              <a:tr h="417378">
+                <a:tc>
+                  <a:txBody>
+                    <a:bodyPr/>
+                    <a:lstStyle/>
+                    <a:p>
+                      <a:pPr algn="ctr" fontAlgn="b">
+                        <a:spcBef>
+                          <a:spcPts val="0"/>
+                        </a:spcBef>
+                        <a:spcAft>
+                          <a:spcPts val="0"/>
+                        </a:spcAft>
+                      </a:pPr>
+                      <a:r>
+                        <a:rPr lang="fr-FR" sz="1400" u="none" strike="noStrike">
+                          <a:effectLst/>
+                        </a:rPr>
+                        <a:t>FC4</a:t>
+                      </a:r>
+                      <a:endParaRPr lang="fr-FR" sz="2400" b="0" i="0" u="none" strike="noStrike">
+                        <a:effectLst/>
+                        <a:latin typeface="Arial" panose="020B0604020202020204" pitchFamily="34" charset="0"/>
+                      </a:endParaRPr>
+                    </a:p>
+                  </a:txBody>
+                  <a:tcPr marL="7620" marR="7620" marT="7620" marB="0" anchor="ctr"/>
+                </a:tc>
+                <a:tc>
+                  <a:txBody>
+                    <a:bodyPr/>
+                    <a:lstStyle/>
+                    <a:p>
+                      <a:pPr algn="ctr" fontAlgn="b">
+                        <a:spcBef>
+                          <a:spcPts val="0"/>
+                        </a:spcBef>
+                        <a:spcAft>
+                          <a:spcPts val="0"/>
+                        </a:spcAft>
+                      </a:pPr>
+                      <a:r>
+                        <a:rPr lang="fr-FR" sz="1400" u="none" strike="noStrike" dirty="0">
+                          <a:effectLst/>
+                        </a:rPr>
+                        <a:t>être économique au niveau énergétique</a:t>
+                      </a:r>
+                      <a:endParaRPr lang="fr-FR" sz="2400" b="0" i="0" u="none" strike="noStrike" dirty="0">
+                        <a:effectLst/>
+                        <a:latin typeface="Arial" panose="020B0604020202020204" pitchFamily="34" charset="0"/>
+                      </a:endParaRPr>
+                    </a:p>
+                  </a:txBody>
+                  <a:tcPr marL="7620" marR="7620" marT="7620" marB="0" anchor="ctr"/>
+                </a:tc>
+                <a:extLst>
+                  <a:ext uri="{0D108BD9-81ED-4DB2-BD59-A6C34878D82A}">
+                    <a16:rowId xmlns:a16="http://schemas.microsoft.com/office/drawing/2014/main" val="3123369935"/>
+                  </a:ext>
+                </a:extLst>
+              </a:tr>
+              <a:tr h="417378">
+                <a:tc>
+                  <a:txBody>
+                    <a:bodyPr/>
+                    <a:lstStyle/>
+                    <a:p>
+                      <a:pPr algn="ctr" fontAlgn="b">
+                        <a:spcBef>
+                          <a:spcPts val="0"/>
+                        </a:spcBef>
+                        <a:spcAft>
+                          <a:spcPts val="0"/>
+                        </a:spcAft>
+                      </a:pPr>
+                      <a:r>
+                        <a:rPr lang="fr-FR" sz="1400" u="none" strike="noStrike">
+                          <a:effectLst/>
+                        </a:rPr>
+                        <a:t>FC5</a:t>
+                      </a:r>
+                      <a:endParaRPr lang="fr-FR" sz="2400" b="0" i="0" u="none" strike="noStrike">
+                        <a:effectLst/>
+                        <a:latin typeface="Arial" panose="020B0604020202020204" pitchFamily="34" charset="0"/>
+                      </a:endParaRPr>
+                    </a:p>
+                  </a:txBody>
+                  <a:tcPr marL="7620" marR="7620" marT="7620" marB="0" anchor="ctr"/>
+                </a:tc>
+                <a:tc>
+                  <a:txBody>
+                    <a:bodyPr/>
+                    <a:lstStyle/>
+                    <a:p>
+                      <a:pPr algn="ctr" fontAlgn="b">
+                        <a:spcBef>
+                          <a:spcPts val="0"/>
+                        </a:spcBef>
+                        <a:spcAft>
+                          <a:spcPts val="0"/>
+                        </a:spcAft>
+                      </a:pPr>
+                      <a:r>
+                        <a:rPr lang="fr-FR" sz="1400" u="none" strike="noStrike" dirty="0">
+                          <a:effectLst/>
+                        </a:rPr>
+                        <a:t>être maintenable</a:t>
+                      </a:r>
+                      <a:endParaRPr lang="fr-FR" sz="2400" b="0" i="0" u="none" strike="noStrike" dirty="0">
+                        <a:effectLst/>
+                        <a:latin typeface="Arial" panose="020B0604020202020204" pitchFamily="34" charset="0"/>
+                      </a:endParaRPr>
+                    </a:p>
+                  </a:txBody>
+                  <a:tcPr marL="7620" marR="7620" marT="7620" marB="0" anchor="ctr"/>
+                </a:tc>
+                <a:extLst>
+                  <a:ext uri="{0D108BD9-81ED-4DB2-BD59-A6C34878D82A}">
+                    <a16:rowId xmlns:a16="http://schemas.microsoft.com/office/drawing/2014/main" val="1927600192"/>
+                  </a:ext>
+                </a:extLst>
+              </a:tr>
+              <a:tr h="417378">
+                <a:tc>
+                  <a:txBody>
+                    <a:bodyPr/>
+                    <a:lstStyle/>
+                    <a:p>
+                      <a:pPr algn="ctr" fontAlgn="b">
+                        <a:spcBef>
+                          <a:spcPts val="0"/>
+                        </a:spcBef>
+                        <a:spcAft>
+                          <a:spcPts val="0"/>
+                        </a:spcAft>
+                      </a:pPr>
+                      <a:r>
+                        <a:rPr lang="fr-FR" sz="1400" u="none" strike="noStrike">
+                          <a:effectLst/>
+                        </a:rPr>
+                        <a:t>FC6</a:t>
+                      </a:r>
+                      <a:endParaRPr lang="fr-FR" sz="2400" b="0" i="0" u="none" strike="noStrike">
+                        <a:effectLst/>
+                        <a:latin typeface="Arial" panose="020B0604020202020204" pitchFamily="34" charset="0"/>
+                      </a:endParaRPr>
+                    </a:p>
+                  </a:txBody>
+                  <a:tcPr marL="7620" marR="7620" marT="7620" marB="0" anchor="ctr"/>
+                </a:tc>
+                <a:tc>
+                  <a:txBody>
+                    <a:bodyPr/>
+                    <a:lstStyle/>
+                    <a:p>
+                      <a:pPr algn="ctr" fontAlgn="b">
+                        <a:spcBef>
+                          <a:spcPts val="0"/>
+                        </a:spcBef>
+                        <a:spcAft>
+                          <a:spcPts val="0"/>
+                        </a:spcAft>
+                      </a:pPr>
+                      <a:r>
+                        <a:rPr lang="fr-FR" sz="1400" u="none" strike="noStrike" dirty="0">
+                          <a:effectLst/>
+                        </a:rPr>
+                        <a:t>être le moins cher possible </a:t>
+                      </a:r>
+                      <a:endParaRPr lang="fr-FR" sz="2400" b="0" i="0" u="none" strike="noStrike" dirty="0">
+                        <a:effectLst/>
+                        <a:latin typeface="Arial" panose="020B0604020202020204" pitchFamily="34" charset="0"/>
+                      </a:endParaRPr>
+                    </a:p>
+                  </a:txBody>
+                  <a:tcPr marL="7620" marR="7620" marT="7620" marB="0" anchor="ctr"/>
+                </a:tc>
+                <a:extLst>
+                  <a:ext uri="{0D108BD9-81ED-4DB2-BD59-A6C34878D82A}">
+                    <a16:rowId xmlns:a16="http://schemas.microsoft.com/office/drawing/2014/main" val="3324133105"/>
+                  </a:ext>
+                </a:extLst>
+              </a:tr>
+              <a:tr h="417378">
+                <a:tc>
+                  <a:txBody>
+                    <a:bodyPr/>
+                    <a:lstStyle/>
+                    <a:p>
+                      <a:pPr algn="ctr" fontAlgn="b">
+                        <a:spcBef>
+                          <a:spcPts val="0"/>
+                        </a:spcBef>
+                        <a:spcAft>
+                          <a:spcPts val="0"/>
+                        </a:spcAft>
+                      </a:pPr>
+                      <a:r>
+                        <a:rPr lang="fr-FR" sz="1400" u="none" strike="noStrike">
+                          <a:effectLst/>
+                        </a:rPr>
+                        <a:t>FC7</a:t>
+                      </a:r>
+                      <a:endParaRPr lang="fr-FR" sz="2400" b="0" i="0" u="none" strike="noStrike">
+                        <a:effectLst/>
+                        <a:latin typeface="Arial" panose="020B0604020202020204" pitchFamily="34" charset="0"/>
+                      </a:endParaRPr>
+                    </a:p>
+                  </a:txBody>
+                  <a:tcPr marL="7620" marR="7620" marT="7620" marB="0" anchor="ctr"/>
+                </a:tc>
+                <a:tc>
+                  <a:txBody>
+                    <a:bodyPr/>
+                    <a:lstStyle/>
+                    <a:p>
+                      <a:pPr algn="ctr" fontAlgn="b">
+                        <a:spcBef>
+                          <a:spcPts val="0"/>
+                        </a:spcBef>
+                        <a:spcAft>
+                          <a:spcPts val="0"/>
+                        </a:spcAft>
+                      </a:pPr>
+                      <a:r>
+                        <a:rPr lang="fr-FR" sz="1400" u="none" strike="noStrike" dirty="0">
+                          <a:effectLst/>
+                        </a:rPr>
+                        <a:t>convertir la matière d'</a:t>
+                      </a:r>
+                      <a:r>
+                        <a:rPr lang="fr-FR" sz="1400" u="none" strike="noStrike" dirty="0" err="1">
+                          <a:effectLst/>
+                        </a:rPr>
+                        <a:t>euvre</a:t>
+                      </a:r>
+                      <a:r>
+                        <a:rPr lang="fr-FR" sz="1400" u="none" strike="noStrike" dirty="0">
+                          <a:effectLst/>
+                        </a:rPr>
+                        <a:t> d'</a:t>
+                      </a:r>
+                      <a:r>
+                        <a:rPr lang="fr-FR" sz="1400" u="none" strike="noStrike" dirty="0" err="1">
+                          <a:effectLst/>
+                        </a:rPr>
+                        <a:t>entree</a:t>
+                      </a:r>
+                      <a:r>
+                        <a:rPr lang="fr-FR" sz="1400" u="none" strike="noStrike" dirty="0">
+                          <a:effectLst/>
+                        </a:rPr>
+                        <a:t> en granulat </a:t>
+                      </a:r>
+                      <a:endParaRPr lang="fr-FR" sz="2400" b="0" i="0" u="none" strike="noStrike" dirty="0">
+                        <a:effectLst/>
+                        <a:latin typeface="Arial" panose="020B0604020202020204" pitchFamily="34" charset="0"/>
+                      </a:endParaRPr>
+                    </a:p>
+                  </a:txBody>
+                  <a:tcPr marL="7620" marR="7620" marT="7620" marB="0" anchor="ctr"/>
+                </a:tc>
+                <a:extLst>
+                  <a:ext uri="{0D108BD9-81ED-4DB2-BD59-A6C34878D82A}">
+                    <a16:rowId xmlns:a16="http://schemas.microsoft.com/office/drawing/2014/main" val="4000525274"/>
+                  </a:ext>
+                </a:extLst>
+              </a:tr>
+            </a:tbl>
+          </a:graphicData>
+        </a:graphic>
+      </p:graphicFrame>
     </p:spTree>
     <p:extLst>
       <p:ext uri="{BB962C8B-B14F-4D97-AF65-F5344CB8AC3E}">
         <p14:creationId xmlns:p14="http://schemas.microsoft.com/office/powerpoint/2010/main" val="397146620"/>
+      </p:ext>
+    </p:extLst>
+  </p:cSld>
+  <p:clrMapOvr>
+    <a:masterClrMapping/>
+  </p:clrMapOvr>
+</p:sld>
+</file>
+
+<file path=ppt/slides/slide4.xml><?xml version="1.0" encoding="utf-8"?>
+<p:sld xmlns:a="http://schemas.openxmlformats.org/drawingml/2006/main" xmlns:r="http://schemas.openxmlformats.org/officeDocument/2006/relationships" xmlns:p="http://schemas.openxmlformats.org/presentationml/2006/main">
+  <p:cSld>
+    <p:spTree>
+      <p:nvGrpSpPr>
+        <p:cNvPr id="1" name=""/>
+        <p:cNvGrpSpPr/>
+        <p:nvPr/>
+      </p:nvGrpSpPr>
+      <p:grpSpPr>
+        <a:xfrm>
+          <a:off x="0" y="0"/>
+          <a:ext cx="0" cy="0"/>
+          <a:chOff x="0" y="0"/>
+          <a:chExt cx="0" cy="0"/>
+        </a:xfrm>
+      </p:grpSpPr>
+      <p:sp>
+        <p:nvSpPr>
+          <p:cNvPr id="6" name="Rectangle 5">
+            <a:extLst>
+              <a:ext uri="{FF2B5EF4-FFF2-40B4-BE49-F238E27FC236}">
+                <a16:creationId xmlns:a16="http://schemas.microsoft.com/office/drawing/2014/main" id="{D56169C8-451B-4B57-9604-6531699BB5FE}"/>
+              </a:ext>
+            </a:extLst>
+          </p:cNvPr>
+          <p:cNvSpPr/>
+          <p:nvPr/>
+        </p:nvSpPr>
+        <p:spPr>
+          <a:xfrm>
+            <a:off x="3870663" y="2610035"/>
+            <a:ext cx="2716567" cy="1127462"/>
+          </a:xfrm>
+          <a:prstGeom prst="rect">
+            <a:avLst/>
+          </a:prstGeom>
+        </p:spPr>
+        <p:style>
+          <a:lnRef idx="2">
+            <a:schemeClr val="accent1">
+              <a:shade val="50000"/>
+            </a:schemeClr>
+          </a:lnRef>
+          <a:fillRef idx="1">
+            <a:schemeClr val="accent1"/>
+          </a:fillRef>
+          <a:effectRef idx="0">
+            <a:schemeClr val="accent1"/>
+          </a:effectRef>
+          <a:fontRef idx="minor">
+            <a:schemeClr val="lt1"/>
+          </a:fontRef>
+        </p:style>
+        <p:txBody>
+          <a:bodyPr rtlCol="0" anchor="ctr"/>
+          <a:lstStyle/>
+          <a:p>
+            <a:pPr algn="ctr"/>
+            <a:r>
+              <a:rPr lang="fr-MA" dirty="0"/>
+              <a:t>Transformer les aliments des animaux sous forme des granulat </a:t>
+            </a:r>
+            <a:endParaRPr lang="fr-FR" dirty="0"/>
+          </a:p>
+          <a:p>
+            <a:pPr algn="ctr"/>
+            <a:endParaRPr lang="fr-FR" dirty="0"/>
+          </a:p>
+        </p:txBody>
+      </p:sp>
+      <p:sp>
+        <p:nvSpPr>
+          <p:cNvPr id="7" name="Flèche : droite 6">
+            <a:extLst>
+              <a:ext uri="{FF2B5EF4-FFF2-40B4-BE49-F238E27FC236}">
+                <a16:creationId xmlns:a16="http://schemas.microsoft.com/office/drawing/2014/main" id="{1D98E4D9-0D18-4603-B8B5-9A4E5B01F39C}"/>
+              </a:ext>
+            </a:extLst>
+          </p:cNvPr>
+          <p:cNvSpPr/>
+          <p:nvPr/>
+        </p:nvSpPr>
+        <p:spPr>
+          <a:xfrm>
+            <a:off x="3116062" y="2920753"/>
+            <a:ext cx="754601" cy="355107"/>
+          </a:xfrm>
+          <a:prstGeom prst="rightArrow">
+            <a:avLst/>
+          </a:prstGeom>
+        </p:spPr>
+        <p:style>
+          <a:lnRef idx="2">
+            <a:schemeClr val="accent1">
+              <a:shade val="50000"/>
+            </a:schemeClr>
+          </a:lnRef>
+          <a:fillRef idx="1">
+            <a:schemeClr val="accent1"/>
+          </a:fillRef>
+          <a:effectRef idx="0">
+            <a:schemeClr val="accent1"/>
+          </a:effectRef>
+          <a:fontRef idx="minor">
+            <a:schemeClr val="lt1"/>
+          </a:fontRef>
+        </p:style>
+        <p:txBody>
+          <a:bodyPr rtlCol="0" anchor="ctr"/>
+          <a:lstStyle/>
+          <a:p>
+            <a:pPr algn="ctr"/>
+            <a:endParaRPr lang="fr-FR"/>
+          </a:p>
+        </p:txBody>
+      </p:sp>
+      <p:sp>
+        <p:nvSpPr>
+          <p:cNvPr id="8" name="Flèche : droite 7">
+            <a:extLst>
+              <a:ext uri="{FF2B5EF4-FFF2-40B4-BE49-F238E27FC236}">
+                <a16:creationId xmlns:a16="http://schemas.microsoft.com/office/drawing/2014/main" id="{9E5963DA-FFE5-452E-ABC0-55571D179B4F}"/>
+              </a:ext>
+            </a:extLst>
+          </p:cNvPr>
+          <p:cNvSpPr/>
+          <p:nvPr/>
+        </p:nvSpPr>
+        <p:spPr>
+          <a:xfrm>
+            <a:off x="6587230" y="2920753"/>
+            <a:ext cx="754601" cy="355107"/>
+          </a:xfrm>
+          <a:prstGeom prst="rightArrow">
+            <a:avLst/>
+          </a:prstGeom>
+        </p:spPr>
+        <p:style>
+          <a:lnRef idx="2">
+            <a:schemeClr val="accent1">
+              <a:shade val="50000"/>
+            </a:schemeClr>
+          </a:lnRef>
+          <a:fillRef idx="1">
+            <a:schemeClr val="accent1"/>
+          </a:fillRef>
+          <a:effectRef idx="0">
+            <a:schemeClr val="accent1"/>
+          </a:effectRef>
+          <a:fontRef idx="minor">
+            <a:schemeClr val="lt1"/>
+          </a:fontRef>
+        </p:style>
+        <p:txBody>
+          <a:bodyPr rtlCol="0" anchor="ctr"/>
+          <a:lstStyle/>
+          <a:p>
+            <a:pPr algn="ctr"/>
+            <a:endParaRPr lang="fr-FR"/>
+          </a:p>
+        </p:txBody>
+      </p:sp>
+      <p:sp>
+        <p:nvSpPr>
+          <p:cNvPr id="9" name="Rectangle 8">
+            <a:extLst>
+              <a:ext uri="{FF2B5EF4-FFF2-40B4-BE49-F238E27FC236}">
+                <a16:creationId xmlns:a16="http://schemas.microsoft.com/office/drawing/2014/main" id="{860ADBA1-F33B-4DCE-B6B5-C584EAE4D763}"/>
+              </a:ext>
+            </a:extLst>
+          </p:cNvPr>
+          <p:cNvSpPr/>
+          <p:nvPr/>
+        </p:nvSpPr>
+        <p:spPr>
+          <a:xfrm>
+            <a:off x="1953088" y="2610035"/>
+            <a:ext cx="1162974" cy="763479"/>
+          </a:xfrm>
+          <a:prstGeom prst="rect">
+            <a:avLst/>
+          </a:prstGeom>
+        </p:spPr>
+        <p:style>
+          <a:lnRef idx="2">
+            <a:schemeClr val="accent6"/>
+          </a:lnRef>
+          <a:fillRef idx="1">
+            <a:schemeClr val="lt1"/>
+          </a:fillRef>
+          <a:effectRef idx="0">
+            <a:schemeClr val="accent6"/>
+          </a:effectRef>
+          <a:fontRef idx="minor">
+            <a:schemeClr val="dk1"/>
+          </a:fontRef>
+        </p:style>
+        <p:txBody>
+          <a:bodyPr rtlCol="0" anchor="ctr"/>
+          <a:lstStyle/>
+          <a:p>
+            <a:pPr algn="ctr"/>
+            <a:r>
+              <a:rPr lang="fr-MA" dirty="0"/>
+              <a:t>Aliments d’animaux </a:t>
+            </a:r>
+            <a:endParaRPr lang="fr-FR" dirty="0"/>
+          </a:p>
+        </p:txBody>
+      </p:sp>
+      <p:sp>
+        <p:nvSpPr>
+          <p:cNvPr id="11" name="Rectangle 10">
+            <a:extLst>
+              <a:ext uri="{FF2B5EF4-FFF2-40B4-BE49-F238E27FC236}">
+                <a16:creationId xmlns:a16="http://schemas.microsoft.com/office/drawing/2014/main" id="{3B155177-6FFF-4501-8263-7B3E6DE3F15C}"/>
+              </a:ext>
+            </a:extLst>
+          </p:cNvPr>
+          <p:cNvSpPr/>
+          <p:nvPr/>
+        </p:nvSpPr>
+        <p:spPr>
+          <a:xfrm>
+            <a:off x="6859480" y="1793290"/>
+            <a:ext cx="2410289" cy="1127463"/>
+          </a:xfrm>
+          <a:prstGeom prst="rect">
+            <a:avLst/>
+          </a:prstGeom>
+        </p:spPr>
+        <p:style>
+          <a:lnRef idx="2">
+            <a:schemeClr val="accent6"/>
+          </a:lnRef>
+          <a:fillRef idx="1">
+            <a:schemeClr val="lt1"/>
+          </a:fillRef>
+          <a:effectRef idx="0">
+            <a:schemeClr val="accent6"/>
+          </a:effectRef>
+          <a:fontRef idx="minor">
+            <a:schemeClr val="dk1"/>
+          </a:fontRef>
+        </p:style>
+        <p:txBody>
+          <a:bodyPr rtlCol="0" anchor="ctr"/>
+          <a:lstStyle/>
+          <a:p>
+            <a:pPr algn="ctr"/>
+            <a:r>
+              <a:rPr lang="fr-MA" dirty="0"/>
+              <a:t>Aliments d’animaux sous forme de granulés  </a:t>
+            </a:r>
+            <a:endParaRPr lang="fr-FR" dirty="0"/>
+          </a:p>
+        </p:txBody>
+      </p:sp>
+      <p:cxnSp>
+        <p:nvCxnSpPr>
+          <p:cNvPr id="16" name="Connecteur droit avec flèche 15">
+            <a:extLst>
+              <a:ext uri="{FF2B5EF4-FFF2-40B4-BE49-F238E27FC236}">
+                <a16:creationId xmlns:a16="http://schemas.microsoft.com/office/drawing/2014/main" id="{5D44969A-910A-4BF6-A062-AAB3F2D0403E}"/>
+              </a:ext>
+            </a:extLst>
+          </p:cNvPr>
+          <p:cNvCxnSpPr>
+            <a:cxnSpLocks/>
+            <a:endCxn id="6" idx="2"/>
+          </p:cNvCxnSpPr>
+          <p:nvPr/>
+        </p:nvCxnSpPr>
+        <p:spPr>
+          <a:xfrm flipV="1">
+            <a:off x="5228946" y="3737497"/>
+            <a:ext cx="1" cy="532662"/>
+          </a:xfrm>
+          <a:prstGeom prst="straightConnector1">
+            <a:avLst/>
+          </a:prstGeom>
+          <a:ln w="76200">
+            <a:tailEnd type="triangle"/>
+          </a:ln>
+        </p:spPr>
+        <p:style>
+          <a:lnRef idx="1">
+            <a:schemeClr val="accent1"/>
+          </a:lnRef>
+          <a:fillRef idx="0">
+            <a:schemeClr val="accent1"/>
+          </a:fillRef>
+          <a:effectRef idx="0">
+            <a:schemeClr val="accent1"/>
+          </a:effectRef>
+          <a:fontRef idx="minor">
+            <a:schemeClr val="tx1"/>
+          </a:fontRef>
+        </p:style>
+      </p:cxnSp>
+      <p:sp>
+        <p:nvSpPr>
+          <p:cNvPr id="19" name="Rectangle 18">
+            <a:extLst>
+              <a:ext uri="{FF2B5EF4-FFF2-40B4-BE49-F238E27FC236}">
+                <a16:creationId xmlns:a16="http://schemas.microsoft.com/office/drawing/2014/main" id="{0B09F178-6AE7-4A82-AE25-80C6774D3615}"/>
+              </a:ext>
+            </a:extLst>
+          </p:cNvPr>
+          <p:cNvSpPr/>
+          <p:nvPr/>
+        </p:nvSpPr>
+        <p:spPr>
+          <a:xfrm>
+            <a:off x="4427735" y="4281996"/>
+            <a:ext cx="1602421" cy="745724"/>
+          </a:xfrm>
+          <a:prstGeom prst="rect">
+            <a:avLst/>
+          </a:prstGeom>
+        </p:spPr>
+        <p:style>
+          <a:lnRef idx="2">
+            <a:schemeClr val="accent6"/>
+          </a:lnRef>
+          <a:fillRef idx="1">
+            <a:schemeClr val="lt1"/>
+          </a:fillRef>
+          <a:effectRef idx="0">
+            <a:schemeClr val="accent6"/>
+          </a:effectRef>
+          <a:fontRef idx="minor">
+            <a:schemeClr val="dk1"/>
+          </a:fontRef>
+        </p:style>
+        <p:txBody>
+          <a:bodyPr rtlCol="0" anchor="ctr"/>
+          <a:lstStyle/>
+          <a:p>
+            <a:pPr algn="ctr"/>
+            <a:r>
+              <a:rPr lang="fr-MA" dirty="0"/>
+              <a:t>Machine à granulée</a:t>
+            </a:r>
+            <a:endParaRPr lang="fr-FR" dirty="0"/>
+          </a:p>
+        </p:txBody>
+      </p:sp>
+      <p:cxnSp>
+        <p:nvCxnSpPr>
+          <p:cNvPr id="21" name="Connecteur : en angle 20">
+            <a:extLst>
+              <a:ext uri="{FF2B5EF4-FFF2-40B4-BE49-F238E27FC236}">
+                <a16:creationId xmlns:a16="http://schemas.microsoft.com/office/drawing/2014/main" id="{7D717EB6-6A5B-48E5-8F94-3698BAD548DC}"/>
+              </a:ext>
+            </a:extLst>
+          </p:cNvPr>
+          <p:cNvCxnSpPr/>
+          <p:nvPr/>
+        </p:nvCxnSpPr>
+        <p:spPr>
+          <a:xfrm rot="16200000" flipH="1">
+            <a:off x="3644283" y="1735584"/>
+            <a:ext cx="1242874" cy="506027"/>
+          </a:xfrm>
+          <a:prstGeom prst="bentConnector3">
+            <a:avLst/>
+          </a:prstGeom>
+          <a:ln>
+            <a:tailEnd type="triangle"/>
+          </a:ln>
+        </p:spPr>
+        <p:style>
+          <a:lnRef idx="1">
+            <a:schemeClr val="accent1"/>
+          </a:lnRef>
+          <a:fillRef idx="0">
+            <a:schemeClr val="accent1"/>
+          </a:fillRef>
+          <a:effectRef idx="0">
+            <a:schemeClr val="accent1"/>
+          </a:effectRef>
+          <a:fontRef idx="minor">
+            <a:schemeClr val="tx1"/>
+          </a:fontRef>
+        </p:style>
+      </p:cxnSp>
+      <p:cxnSp>
+        <p:nvCxnSpPr>
+          <p:cNvPr id="23" name="Connecteur : en angle 22">
+            <a:extLst>
+              <a:ext uri="{FF2B5EF4-FFF2-40B4-BE49-F238E27FC236}">
+                <a16:creationId xmlns:a16="http://schemas.microsoft.com/office/drawing/2014/main" id="{888475B2-EB7F-460B-8F0B-5F20F21B901B}"/>
+              </a:ext>
+            </a:extLst>
+          </p:cNvPr>
+          <p:cNvCxnSpPr/>
+          <p:nvPr/>
+        </p:nvCxnSpPr>
+        <p:spPr>
+          <a:xfrm rot="5400000">
+            <a:off x="5294051" y="1808085"/>
+            <a:ext cx="1260629" cy="343270"/>
+          </a:xfrm>
+          <a:prstGeom prst="bentConnector3">
+            <a:avLst/>
+          </a:prstGeom>
+          <a:ln>
+            <a:tailEnd type="triangle"/>
+          </a:ln>
+        </p:spPr>
+        <p:style>
+          <a:lnRef idx="1">
+            <a:schemeClr val="accent1"/>
+          </a:lnRef>
+          <a:fillRef idx="0">
+            <a:schemeClr val="accent1"/>
+          </a:fillRef>
+          <a:effectRef idx="0">
+            <a:schemeClr val="accent1"/>
+          </a:effectRef>
+          <a:fontRef idx="minor">
+            <a:schemeClr val="tx1"/>
+          </a:fontRef>
+        </p:style>
+      </p:cxnSp>
+      <p:cxnSp>
+        <p:nvCxnSpPr>
+          <p:cNvPr id="25" name="Connecteur droit avec flèche 24">
+            <a:extLst>
+              <a:ext uri="{FF2B5EF4-FFF2-40B4-BE49-F238E27FC236}">
+                <a16:creationId xmlns:a16="http://schemas.microsoft.com/office/drawing/2014/main" id="{BDC55D40-B657-4687-906F-DD9A263151F3}"/>
+              </a:ext>
+            </a:extLst>
+          </p:cNvPr>
+          <p:cNvCxnSpPr/>
+          <p:nvPr/>
+        </p:nvCxnSpPr>
+        <p:spPr>
+          <a:xfrm>
+            <a:off x="4989250" y="1367160"/>
+            <a:ext cx="0" cy="1242875"/>
+          </a:xfrm>
+          <a:prstGeom prst="straightConnector1">
+            <a:avLst/>
+          </a:prstGeom>
+          <a:ln>
+            <a:tailEnd type="triangle"/>
+          </a:ln>
+        </p:spPr>
+        <p:style>
+          <a:lnRef idx="1">
+            <a:schemeClr val="accent1"/>
+          </a:lnRef>
+          <a:fillRef idx="0">
+            <a:schemeClr val="accent1"/>
+          </a:fillRef>
+          <a:effectRef idx="0">
+            <a:schemeClr val="accent1"/>
+          </a:effectRef>
+          <a:fontRef idx="minor">
+            <a:schemeClr val="tx1"/>
+          </a:fontRef>
+        </p:style>
+      </p:cxnSp>
+      <p:sp>
+        <p:nvSpPr>
+          <p:cNvPr id="30" name="Rectangle 29">
+            <a:extLst>
+              <a:ext uri="{FF2B5EF4-FFF2-40B4-BE49-F238E27FC236}">
+                <a16:creationId xmlns:a16="http://schemas.microsoft.com/office/drawing/2014/main" id="{0F5D3067-27CA-472A-A5E5-5E7DB16113E0}"/>
+              </a:ext>
+            </a:extLst>
+          </p:cNvPr>
+          <p:cNvSpPr/>
+          <p:nvPr/>
+        </p:nvSpPr>
+        <p:spPr>
+          <a:xfrm>
+            <a:off x="3071488" y="924756"/>
+            <a:ext cx="1128574" cy="522304"/>
+          </a:xfrm>
+          <a:prstGeom prst="rect">
+            <a:avLst/>
+          </a:prstGeom>
+        </p:spPr>
+        <p:style>
+          <a:lnRef idx="2">
+            <a:schemeClr val="accent6"/>
+          </a:lnRef>
+          <a:fillRef idx="1">
+            <a:schemeClr val="lt1"/>
+          </a:fillRef>
+          <a:effectRef idx="0">
+            <a:schemeClr val="accent6"/>
+          </a:effectRef>
+          <a:fontRef idx="minor">
+            <a:schemeClr val="dk1"/>
+          </a:fontRef>
+        </p:style>
+        <p:txBody>
+          <a:bodyPr rtlCol="0" anchor="ctr"/>
+          <a:lstStyle/>
+          <a:p>
+            <a:pPr algn="ctr"/>
+            <a:r>
+              <a:rPr lang="fr-MA" dirty="0"/>
+              <a:t>Energie </a:t>
+            </a:r>
+          </a:p>
+          <a:p>
+            <a:pPr algn="ctr"/>
+            <a:r>
+              <a:rPr lang="fr-MA" dirty="0"/>
+              <a:t>électrique</a:t>
+            </a:r>
+            <a:endParaRPr lang="fr-FR" dirty="0"/>
+          </a:p>
+        </p:txBody>
+      </p:sp>
+      <p:sp>
+        <p:nvSpPr>
+          <p:cNvPr id="31" name="Rectangle 30">
+            <a:extLst>
+              <a:ext uri="{FF2B5EF4-FFF2-40B4-BE49-F238E27FC236}">
+                <a16:creationId xmlns:a16="http://schemas.microsoft.com/office/drawing/2014/main" id="{76984A04-552E-497D-8EC7-EE3B8400B9C9}"/>
+              </a:ext>
+            </a:extLst>
+          </p:cNvPr>
+          <p:cNvSpPr/>
+          <p:nvPr/>
+        </p:nvSpPr>
+        <p:spPr>
+          <a:xfrm>
+            <a:off x="4427734" y="621437"/>
+            <a:ext cx="1324995" cy="834499"/>
+          </a:xfrm>
+          <a:prstGeom prst="rect">
+            <a:avLst/>
+          </a:prstGeom>
+        </p:spPr>
+        <p:style>
+          <a:lnRef idx="2">
+            <a:schemeClr val="accent6"/>
+          </a:lnRef>
+          <a:fillRef idx="1">
+            <a:schemeClr val="lt1"/>
+          </a:fillRef>
+          <a:effectRef idx="0">
+            <a:schemeClr val="accent6"/>
+          </a:effectRef>
+          <a:fontRef idx="minor">
+            <a:schemeClr val="dk1"/>
+          </a:fontRef>
+        </p:style>
+        <p:txBody>
+          <a:bodyPr rtlCol="0" anchor="ctr"/>
+          <a:lstStyle/>
+          <a:p>
+            <a:pPr algn="ctr"/>
+            <a:r>
+              <a:rPr lang="fr-MA" dirty="0"/>
+              <a:t>Commande </a:t>
+            </a:r>
+            <a:endParaRPr lang="fr-FR" dirty="0"/>
+          </a:p>
+        </p:txBody>
+      </p:sp>
+      <p:sp>
+        <p:nvSpPr>
+          <p:cNvPr id="32" name="Rectangle 31">
+            <a:extLst>
+              <a:ext uri="{FF2B5EF4-FFF2-40B4-BE49-F238E27FC236}">
+                <a16:creationId xmlns:a16="http://schemas.microsoft.com/office/drawing/2014/main" id="{560AB660-3208-4A87-8E6D-78D147D1FDB5}"/>
+              </a:ext>
+            </a:extLst>
+          </p:cNvPr>
+          <p:cNvSpPr/>
+          <p:nvPr/>
+        </p:nvSpPr>
+        <p:spPr>
+          <a:xfrm>
+            <a:off x="6066221" y="949912"/>
+            <a:ext cx="1042017" cy="470516"/>
+          </a:xfrm>
+          <a:prstGeom prst="rect">
+            <a:avLst/>
+          </a:prstGeom>
+        </p:spPr>
+        <p:style>
+          <a:lnRef idx="2">
+            <a:schemeClr val="accent6"/>
+          </a:lnRef>
+          <a:fillRef idx="1">
+            <a:schemeClr val="lt1"/>
+          </a:fillRef>
+          <a:effectRef idx="0">
+            <a:schemeClr val="accent6"/>
+          </a:effectRef>
+          <a:fontRef idx="minor">
+            <a:schemeClr val="dk1"/>
+          </a:fontRef>
+        </p:style>
+        <p:txBody>
+          <a:bodyPr rtlCol="0" anchor="ctr"/>
+          <a:lstStyle/>
+          <a:p>
+            <a:pPr algn="ctr"/>
+            <a:endParaRPr lang="fr-FR" dirty="0"/>
+          </a:p>
+        </p:txBody>
+      </p:sp>
+      <p:cxnSp>
+        <p:nvCxnSpPr>
+          <p:cNvPr id="34" name="Connecteur droit avec flèche 33">
+            <a:extLst>
+              <a:ext uri="{FF2B5EF4-FFF2-40B4-BE49-F238E27FC236}">
+                <a16:creationId xmlns:a16="http://schemas.microsoft.com/office/drawing/2014/main" id="{BF7E963A-8F37-4B7A-A7BF-344131FBE1C3}"/>
+              </a:ext>
+            </a:extLst>
+          </p:cNvPr>
+          <p:cNvCxnSpPr/>
+          <p:nvPr/>
+        </p:nvCxnSpPr>
+        <p:spPr>
+          <a:xfrm>
+            <a:off x="6593145" y="3497802"/>
+            <a:ext cx="810829" cy="0"/>
+          </a:xfrm>
+          <a:prstGeom prst="straightConnector1">
+            <a:avLst/>
+          </a:prstGeom>
+          <a:ln>
+            <a:tailEnd type="triangle"/>
+          </a:ln>
+        </p:spPr>
+        <p:style>
+          <a:lnRef idx="1">
+            <a:schemeClr val="accent1"/>
+          </a:lnRef>
+          <a:fillRef idx="0">
+            <a:schemeClr val="accent1"/>
+          </a:fillRef>
+          <a:effectRef idx="0">
+            <a:schemeClr val="accent1"/>
+          </a:effectRef>
+          <a:fontRef idx="minor">
+            <a:schemeClr val="tx1"/>
+          </a:fontRef>
+        </p:style>
+      </p:cxnSp>
+      <p:sp>
+        <p:nvSpPr>
+          <p:cNvPr id="35" name="Rectangle 34">
+            <a:extLst>
+              <a:ext uri="{FF2B5EF4-FFF2-40B4-BE49-F238E27FC236}">
+                <a16:creationId xmlns:a16="http://schemas.microsoft.com/office/drawing/2014/main" id="{B94F77B7-184B-4B98-9C7C-FEB1876501DA}"/>
+              </a:ext>
+            </a:extLst>
+          </p:cNvPr>
+          <p:cNvSpPr/>
+          <p:nvPr/>
+        </p:nvSpPr>
+        <p:spPr>
+          <a:xfrm>
+            <a:off x="7341832" y="3275861"/>
+            <a:ext cx="1518084" cy="772356"/>
+          </a:xfrm>
+          <a:prstGeom prst="rect">
+            <a:avLst/>
+          </a:prstGeom>
+        </p:spPr>
+        <p:style>
+          <a:lnRef idx="2">
+            <a:schemeClr val="accent6"/>
+          </a:lnRef>
+          <a:fillRef idx="1">
+            <a:schemeClr val="lt1"/>
+          </a:fillRef>
+          <a:effectRef idx="0">
+            <a:schemeClr val="accent6"/>
+          </a:effectRef>
+          <a:fontRef idx="minor">
+            <a:schemeClr val="dk1"/>
+          </a:fontRef>
+        </p:style>
+        <p:txBody>
+          <a:bodyPr rtlCol="0" anchor="ctr"/>
+          <a:lstStyle/>
+          <a:p>
+            <a:pPr algn="ctr"/>
+            <a:r>
+              <a:rPr lang="fr-MA" dirty="0"/>
+              <a:t>Bruit</a:t>
+            </a:r>
+          </a:p>
+          <a:p>
+            <a:pPr algn="ctr"/>
+            <a:r>
+              <a:rPr lang="fr-MA" dirty="0"/>
+              <a:t>déchets  </a:t>
+            </a:r>
+            <a:endParaRPr lang="fr-FR" dirty="0"/>
+          </a:p>
+        </p:txBody>
+      </p:sp>
+    </p:spTree>
+    <p:extLst>
+      <p:ext uri="{BB962C8B-B14F-4D97-AF65-F5344CB8AC3E}">
+        <p14:creationId xmlns:p14="http://schemas.microsoft.com/office/powerpoint/2010/main" val="760860910"/>
       </p:ext>
     </p:extLst>
   </p:cSld>
